--- a/doc/gradle.pptx
+++ b/doc/gradle.pptx
@@ -24,6 +24,13 @@
     <p:sldId id="273" r:id="rId18"/>
     <p:sldId id="275" r:id="rId19"/>
     <p:sldId id="276" r:id="rId20"/>
+    <p:sldId id="277" r:id="rId21"/>
+    <p:sldId id="278" r:id="rId22"/>
+    <p:sldId id="279" r:id="rId23"/>
+    <p:sldId id="280" r:id="rId24"/>
+    <p:sldId id="281" r:id="rId25"/>
+    <p:sldId id="282" r:id="rId26"/>
+    <p:sldId id="283" r:id="rId27"/>
   </p:sldIdLst>
   <p:sldSz cx="9144000" cy="6858000" type="screen4x3"/>
   <p:notesSz cx="6858000" cy="9144000"/>
@@ -954,6 +961,13 @@
         </dgm:presLayoutVars>
       </dgm:prSet>
       <dgm:spPr/>
+      <dgm:t>
+        <a:bodyPr/>
+        <a:lstStyle/>
+        <a:p>
+          <a:endParaRPr lang="zh-CN" altLang="en-US"/>
+        </a:p>
+      </dgm:t>
     </dgm:pt>
     <dgm:pt modelId="{26F57888-B6FA-4FAA-969D-E7DE56299AAA}" type="pres">
       <dgm:prSet presAssocID="{364BC6EC-18DD-4FAD-AD1F-CD4BC1EDF8DE}" presName="node" presStyleLbl="node1" presStyleIdx="0" presStyleCnt="2">
@@ -2361,7 +2375,8 @@
           <a:p>
             <a:fld id="{7859763D-04D2-404A-9BC4-4C19BE8F7084}" type="datetimeFigureOut">
               <a:rPr lang="zh-CN" altLang="en-US" smtClean="0"/>
-              <a:t>2014/9/17</a:t>
+              <a:pPr/>
+              <a:t>2014/9/18</a:t>
             </a:fld>
             <a:endParaRPr lang="zh-CN" altLang="en-US"/>
           </a:p>
@@ -2408,6 +2423,7 @@
           <a:p>
             <a:fld id="{BA2B1E98-D0BE-4774-8AC0-B85C23BE6B64}" type="slidenum">
               <a:rPr lang="zh-CN" altLang="en-US" smtClean="0"/>
+              <a:pPr/>
               <a:t>‹#›</a:t>
             </a:fld>
             <a:endParaRPr lang="zh-CN" altLang="en-US"/>
@@ -2531,7 +2547,8 @@
           <a:p>
             <a:fld id="{7859763D-04D2-404A-9BC4-4C19BE8F7084}" type="datetimeFigureOut">
               <a:rPr lang="zh-CN" altLang="en-US" smtClean="0"/>
-              <a:t>2014/9/17</a:t>
+              <a:pPr/>
+              <a:t>2014/9/18</a:t>
             </a:fld>
             <a:endParaRPr lang="zh-CN" altLang="en-US"/>
           </a:p>
@@ -2573,6 +2590,7 @@
           <a:p>
             <a:fld id="{BA2B1E98-D0BE-4774-8AC0-B85C23BE6B64}" type="slidenum">
               <a:rPr lang="zh-CN" altLang="en-US" smtClean="0"/>
+              <a:pPr/>
               <a:t>‹#›</a:t>
             </a:fld>
             <a:endParaRPr lang="zh-CN" altLang="en-US"/>
@@ -2706,7 +2724,8 @@
           <a:p>
             <a:fld id="{7859763D-04D2-404A-9BC4-4C19BE8F7084}" type="datetimeFigureOut">
               <a:rPr lang="zh-CN" altLang="en-US" smtClean="0"/>
-              <a:t>2014/9/17</a:t>
+              <a:pPr/>
+              <a:t>2014/9/18</a:t>
             </a:fld>
             <a:endParaRPr lang="zh-CN" altLang="en-US"/>
           </a:p>
@@ -2748,6 +2767,7 @@
           <a:p>
             <a:fld id="{BA2B1E98-D0BE-4774-8AC0-B85C23BE6B64}" type="slidenum">
               <a:rPr lang="zh-CN" altLang="en-US" smtClean="0"/>
+              <a:pPr/>
               <a:t>‹#›</a:t>
             </a:fld>
             <a:endParaRPr lang="zh-CN" altLang="en-US"/>
@@ -2871,7 +2891,8 @@
           <a:p>
             <a:fld id="{7859763D-04D2-404A-9BC4-4C19BE8F7084}" type="datetimeFigureOut">
               <a:rPr lang="zh-CN" altLang="en-US" smtClean="0"/>
-              <a:t>2014/9/17</a:t>
+              <a:pPr/>
+              <a:t>2014/9/18</a:t>
             </a:fld>
             <a:endParaRPr lang="zh-CN" altLang="en-US"/>
           </a:p>
@@ -2923,6 +2944,7 @@
           <a:p>
             <a:fld id="{BA2B1E98-D0BE-4774-8AC0-B85C23BE6B64}" type="slidenum">
               <a:rPr lang="zh-CN" altLang="en-US" smtClean="0"/>
+              <a:pPr/>
               <a:t>‹#›</a:t>
             </a:fld>
             <a:endParaRPr lang="zh-CN" altLang="en-US"/>
@@ -3105,7 +3127,8 @@
           <a:p>
             <a:fld id="{7859763D-04D2-404A-9BC4-4C19BE8F7084}" type="datetimeFigureOut">
               <a:rPr lang="zh-CN" altLang="en-US" smtClean="0"/>
-              <a:t>2014/9/17</a:t>
+              <a:pPr/>
+              <a:t>2014/9/18</a:t>
             </a:fld>
             <a:endParaRPr lang="zh-CN" altLang="en-US"/>
           </a:p>
@@ -3147,6 +3170,7 @@
           <a:p>
             <a:fld id="{BA2B1E98-D0BE-4774-8AC0-B85C23BE6B64}" type="slidenum">
               <a:rPr lang="zh-CN" altLang="en-US" smtClean="0"/>
+              <a:pPr/>
               <a:t>‹#›</a:t>
             </a:fld>
             <a:endParaRPr lang="zh-CN" altLang="en-US"/>
@@ -3401,7 +3425,8 @@
           <a:p>
             <a:fld id="{7859763D-04D2-404A-9BC4-4C19BE8F7084}" type="datetimeFigureOut">
               <a:rPr lang="zh-CN" altLang="en-US" smtClean="0"/>
-              <a:t>2014/9/17</a:t>
+              <a:pPr/>
+              <a:t>2014/9/18</a:t>
             </a:fld>
             <a:endParaRPr lang="zh-CN" altLang="en-US"/>
           </a:p>
@@ -3443,6 +3468,7 @@
           <a:p>
             <a:fld id="{BA2B1E98-D0BE-4774-8AC0-B85C23BE6B64}" type="slidenum">
               <a:rPr lang="zh-CN" altLang="en-US" smtClean="0"/>
+              <a:pPr/>
               <a:t>‹#›</a:t>
             </a:fld>
             <a:endParaRPr lang="zh-CN" altLang="en-US"/>
@@ -3785,7 +3811,8 @@
           <a:p>
             <a:fld id="{7859763D-04D2-404A-9BC4-4C19BE8F7084}" type="datetimeFigureOut">
               <a:rPr lang="zh-CN" altLang="en-US" smtClean="0"/>
-              <a:t>2014/9/17</a:t>
+              <a:pPr/>
+              <a:t>2014/9/18</a:t>
             </a:fld>
             <a:endParaRPr lang="zh-CN" altLang="en-US"/>
           </a:p>
@@ -3832,6 +3859,7 @@
           <a:p>
             <a:fld id="{BA2B1E98-D0BE-4774-8AC0-B85C23BE6B64}" type="slidenum">
               <a:rPr lang="zh-CN" altLang="en-US" smtClean="0"/>
+              <a:pPr/>
               <a:t>‹#›</a:t>
             </a:fld>
             <a:endParaRPr lang="zh-CN" altLang="en-US"/>
@@ -3958,7 +3986,8 @@
           <a:p>
             <a:fld id="{7859763D-04D2-404A-9BC4-4C19BE8F7084}" type="datetimeFigureOut">
               <a:rPr lang="zh-CN" altLang="en-US" smtClean="0"/>
-              <a:t>2014/9/17</a:t>
+              <a:pPr/>
+              <a:t>2014/9/18</a:t>
             </a:fld>
             <a:endParaRPr lang="zh-CN" altLang="en-US"/>
           </a:p>
@@ -4000,6 +4029,7 @@
           <a:p>
             <a:fld id="{BA2B1E98-D0BE-4774-8AC0-B85C23BE6B64}" type="slidenum">
               <a:rPr lang="zh-CN" altLang="en-US" smtClean="0"/>
+              <a:pPr/>
               <a:t>‹#›</a:t>
             </a:fld>
             <a:endParaRPr lang="zh-CN" altLang="en-US"/>
@@ -4048,7 +4078,8 @@
           <a:p>
             <a:fld id="{7859763D-04D2-404A-9BC4-4C19BE8F7084}" type="datetimeFigureOut">
               <a:rPr lang="zh-CN" altLang="en-US" smtClean="0"/>
-              <a:t>2014/9/17</a:t>
+              <a:pPr/>
+              <a:t>2014/9/18</a:t>
             </a:fld>
             <a:endParaRPr lang="zh-CN" altLang="en-US"/>
           </a:p>
@@ -4090,6 +4121,7 @@
           <a:p>
             <a:fld id="{BA2B1E98-D0BE-4774-8AC0-B85C23BE6B64}" type="slidenum">
               <a:rPr lang="zh-CN" altLang="en-US" smtClean="0"/>
+              <a:pPr/>
               <a:t>‹#›</a:t>
             </a:fld>
             <a:endParaRPr lang="zh-CN" altLang="en-US"/>
@@ -4343,7 +4375,8 @@
           <a:p>
             <a:fld id="{7859763D-04D2-404A-9BC4-4C19BE8F7084}" type="datetimeFigureOut">
               <a:rPr lang="zh-CN" altLang="en-US" smtClean="0"/>
-              <a:t>2014/9/17</a:t>
+              <a:pPr/>
+              <a:t>2014/9/18</a:t>
             </a:fld>
             <a:endParaRPr lang="zh-CN" altLang="en-US"/>
           </a:p>
@@ -4385,6 +4418,7 @@
           <a:p>
             <a:fld id="{BA2B1E98-D0BE-4774-8AC0-B85C23BE6B64}" type="slidenum">
               <a:rPr lang="zh-CN" altLang="en-US" smtClean="0"/>
+              <a:pPr/>
               <a:t>‹#›</a:t>
             </a:fld>
             <a:endParaRPr lang="zh-CN" altLang="en-US"/>
@@ -4477,7 +4511,8 @@
           <a:p>
             <a:fld id="{7859763D-04D2-404A-9BC4-4C19BE8F7084}" type="datetimeFigureOut">
               <a:rPr lang="zh-CN" altLang="en-US" smtClean="0"/>
-              <a:t>2014/9/17</a:t>
+              <a:pPr/>
+              <a:t>2014/9/18</a:t>
             </a:fld>
             <a:endParaRPr lang="zh-CN" altLang="en-US"/>
           </a:p>
@@ -4519,6 +4554,7 @@
           <a:p>
             <a:fld id="{BA2B1E98-D0BE-4774-8AC0-B85C23BE6B64}" type="slidenum">
               <a:rPr lang="zh-CN" altLang="en-US" smtClean="0"/>
+              <a:pPr/>
               <a:t>‹#›</a:t>
             </a:fld>
             <a:endParaRPr lang="zh-CN" altLang="en-US"/>
@@ -4780,7 +4816,8 @@
           <a:p>
             <a:fld id="{7859763D-04D2-404A-9BC4-4C19BE8F7084}" type="datetimeFigureOut">
               <a:rPr lang="zh-CN" altLang="en-US" smtClean="0"/>
-              <a:t>2014/9/17</a:t>
+              <a:pPr/>
+              <a:t>2014/9/18</a:t>
             </a:fld>
             <a:endParaRPr lang="zh-CN" altLang="en-US"/>
           </a:p>
@@ -4858,6 +4895,7 @@
           <a:p>
             <a:fld id="{BA2B1E98-D0BE-4774-8AC0-B85C23BE6B64}" type="slidenum">
               <a:rPr lang="zh-CN" altLang="en-US" smtClean="0"/>
+              <a:pPr/>
               <a:t>‹#›</a:t>
             </a:fld>
             <a:endParaRPr lang="zh-CN" altLang="en-US"/>
@@ -5542,11 +5580,7 @@
             </a:pPr>
             <a:r>
               <a:rPr lang="en-US" altLang="zh-CN" dirty="0" smtClean="0"/>
-              <a:t>	</a:t>
-            </a:r>
-            <a:r>
-              <a:rPr lang="en-US" altLang="zh-CN" dirty="0" smtClean="0"/>
-              <a:t>configuration </a:t>
+              <a:t>	configuration </a:t>
             </a:r>
             <a:r>
               <a:rPr lang="zh-CN" altLang="en-US" dirty="0" smtClean="0"/>
@@ -5568,11 +5602,7 @@
             </a:pPr>
             <a:r>
               <a:rPr lang="en-US" altLang="zh-CN" dirty="0" smtClean="0"/>
-              <a:t>	</a:t>
-            </a:r>
-            <a:r>
-              <a:rPr lang="en-US" altLang="zh-CN" dirty="0" smtClean="0"/>
-              <a:t>execute </a:t>
+              <a:t>	execute </a:t>
             </a:r>
             <a:r>
               <a:rPr lang="zh-CN" altLang="en-US" dirty="0" smtClean="0"/>
@@ -5703,11 +5733,7 @@
           <a:p>
             <a:r>
               <a:rPr lang="zh-CN" altLang="en-US" dirty="0" smtClean="0"/>
-              <a:t>每</a:t>
-            </a:r>
-            <a:r>
-              <a:rPr lang="zh-CN" altLang="en-US" dirty="0" smtClean="0"/>
-              <a:t>个子项目包含一个</a:t>
+              <a:t>每个子项目包含一个</a:t>
             </a:r>
             <a:r>
               <a:rPr lang="en-US" altLang="zh-CN" dirty="0" err="1" smtClean="0"/>
@@ -5891,11 +5917,7 @@
             </a:pPr>
             <a:r>
               <a:rPr lang="en-US" altLang="zh-CN" dirty="0" err="1" smtClean="0"/>
-              <a:t>a</a:t>
-            </a:r>
-            <a:r>
-              <a:rPr lang="en-US" altLang="zh-CN" dirty="0" err="1" smtClean="0"/>
-              <a:t>llproject</a:t>
+              <a:t>allproject</a:t>
             </a:r>
             <a:endParaRPr lang="en-US" altLang="zh-CN" dirty="0" smtClean="0"/>
           </a:p>
@@ -5906,13 +5928,8 @@
             </a:pPr>
             <a:r>
               <a:rPr lang="en-US" altLang="zh-CN" dirty="0" smtClean="0"/>
-              <a:t>s</a:t>
-            </a:r>
-            <a:r>
-              <a:rPr lang="en-US" altLang="zh-CN" dirty="0" smtClean="0"/>
-              <a:t>ubproject	</a:t>
-            </a:r>
-            <a:endParaRPr lang="en-US" altLang="zh-CN" dirty="0" smtClean="0"/>
+              <a:t>subproject	</a:t>
+            </a:r>
           </a:p>
         </p:txBody>
       </p:sp>
@@ -6334,11 +6351,7 @@
             </a:pPr>
             <a:r>
               <a:rPr lang="en-US" altLang="zh-CN" dirty="0" smtClean="0"/>
-              <a:t>r</a:t>
-            </a:r>
-            <a:r>
-              <a:rPr lang="en-US" altLang="zh-CN" dirty="0" smtClean="0"/>
-              <a:t>untime</a:t>
+              <a:t>runtime</a:t>
             </a:r>
           </a:p>
           <a:p>
@@ -7070,7 +7083,9 @@
         </p:nvSpPr>
         <p:spPr/>
         <p:txBody>
-          <a:bodyPr/>
+          <a:bodyPr>
+            <a:normAutofit lnSpcReduction="10000"/>
+          </a:bodyPr>
           <a:lstStyle/>
           <a:p>
             <a:pPr>
@@ -7106,7 +7121,11 @@
             </a:r>
             <a:r>
               <a:rPr lang="zh-CN" altLang="en-US" dirty="0" smtClean="0"/>
-              <a:t>的集合</a:t>
+              <a:t>的</a:t>
+            </a:r>
+            <a:r>
+              <a:rPr lang="zh-CN" altLang="en-US" dirty="0" smtClean="0"/>
+              <a:t>集合</a:t>
             </a:r>
             <a:r>
               <a:rPr lang="en-US" altLang="zh-CN" dirty="0" err="1" smtClean="0"/>
@@ -7114,7 +7133,23 @@
             </a:r>
             <a:r>
               <a:rPr lang="zh-CN" altLang="en-US" dirty="0" smtClean="0"/>
-              <a:t>的另外一个优点就是包含了许多功能强大的插件</a:t>
+              <a:t>的</a:t>
+            </a:r>
+            <a:r>
+              <a:rPr lang="zh-CN" altLang="en-US" dirty="0" smtClean="0"/>
+              <a:t>一</a:t>
+            </a:r>
+            <a:r>
+              <a:rPr lang="zh-CN" altLang="en-US" dirty="0" smtClean="0"/>
+              <a:t>个优势</a:t>
+            </a:r>
+            <a:r>
+              <a:rPr lang="zh-CN" altLang="en-US" dirty="0" smtClean="0"/>
+              <a:t>就是</a:t>
+            </a:r>
+            <a:r>
+              <a:rPr lang="zh-CN" altLang="en-US" dirty="0" smtClean="0"/>
+              <a:t>包含了许多功能强大的插件</a:t>
             </a:r>
             <a:r>
               <a:rPr lang="en-US" altLang="zh-CN" dirty="0" smtClean="0"/>
@@ -7131,6 +7166,158 @@
             <a:r>
               <a:rPr lang="zh-CN" altLang="en-US" dirty="0" smtClean="0"/>
               <a:t>。</a:t>
+            </a:r>
+            <a:endParaRPr lang="en-US" altLang="zh-CN" dirty="0" smtClean="0"/>
+          </a:p>
+          <a:p>
+            <a:pPr>
+              <a:buNone/>
+            </a:pPr>
+            <a:r>
+              <a:rPr lang="en-US" altLang="zh-CN" dirty="0" smtClean="0"/>
+              <a:t>	</a:t>
+            </a:r>
+            <a:r>
+              <a:rPr lang="zh-CN" altLang="en-US" dirty="0" smtClean="0"/>
+              <a:t>下面我们介绍开发中会用到的三个插件</a:t>
+            </a:r>
+            <a:r>
+              <a:rPr lang="en-US" altLang="zh-CN" dirty="0" smtClean="0"/>
+              <a:t>(</a:t>
+            </a:r>
+            <a:r>
+              <a:rPr lang="en-US" altLang="zh-CN" dirty="0" err="1" smtClean="0"/>
+              <a:t>Plugin</a:t>
+            </a:r>
+            <a:r>
+              <a:rPr lang="en-US" altLang="zh-CN" dirty="0" smtClean="0"/>
+              <a:t>)</a:t>
+            </a:r>
+            <a:r>
+              <a:rPr lang="zh-CN" altLang="en-US" dirty="0" smtClean="0"/>
+              <a:t>。</a:t>
+            </a:r>
+            <a:endParaRPr lang="en-US" altLang="zh-CN" dirty="0" smtClean="0"/>
+          </a:p>
+          <a:p>
+            <a:pPr>
+              <a:buNone/>
+            </a:pPr>
+            <a:r>
+              <a:rPr lang="en-US" altLang="zh-CN" dirty="0" smtClean="0"/>
+              <a:t>	</a:t>
+            </a:r>
+            <a:r>
+              <a:rPr lang="zh-CN" altLang="en-US" dirty="0" smtClean="0"/>
+              <a:t>* </a:t>
+            </a:r>
+            <a:r>
+              <a:rPr lang="en-US" altLang="zh-CN" dirty="0" smtClean="0"/>
+              <a:t>java </a:t>
+            </a:r>
+            <a:r>
+              <a:rPr lang="zh-CN" altLang="en-US" dirty="0" smtClean="0"/>
+              <a:t>编译，测试并生成</a:t>
+            </a:r>
+            <a:r>
+              <a:rPr lang="en-US" altLang="zh-CN" dirty="0" smtClean="0"/>
+              <a:t>jar</a:t>
+            </a:r>
+            <a:r>
+              <a:rPr lang="zh-CN" altLang="en-US" dirty="0" smtClean="0"/>
+              <a:t>包</a:t>
+            </a:r>
+            <a:endParaRPr lang="en-US" altLang="zh-CN" dirty="0" smtClean="0"/>
+          </a:p>
+          <a:p>
+            <a:pPr>
+              <a:buNone/>
+            </a:pPr>
+            <a:r>
+              <a:rPr lang="en-US" altLang="zh-CN" dirty="0" smtClean="0"/>
+              <a:t>	</a:t>
+            </a:r>
+            <a:r>
+              <a:rPr lang="zh-CN" altLang="en-US" dirty="0" smtClean="0"/>
+              <a:t>* </a:t>
+            </a:r>
+            <a:r>
+              <a:rPr lang="en-US" altLang="zh-CN" dirty="0" smtClean="0"/>
+              <a:t>war </a:t>
+            </a:r>
+            <a:r>
+              <a:rPr lang="zh-CN" altLang="en-US" dirty="0" smtClean="0"/>
+              <a:t>基于</a:t>
+            </a:r>
+            <a:r>
+              <a:rPr lang="en-US" altLang="zh-CN" dirty="0" smtClean="0"/>
+              <a:t>java</a:t>
+            </a:r>
+            <a:r>
+              <a:rPr lang="zh-CN" altLang="en-US" dirty="0" smtClean="0"/>
+              <a:t>，并能生成</a:t>
+            </a:r>
+            <a:r>
+              <a:rPr lang="en-US" altLang="zh-CN" dirty="0" smtClean="0"/>
+              <a:t>war</a:t>
+            </a:r>
+            <a:r>
+              <a:rPr lang="zh-CN" altLang="en-US" dirty="0" smtClean="0"/>
+              <a:t>包</a:t>
+            </a:r>
+            <a:endParaRPr lang="en-US" altLang="zh-CN" dirty="0" smtClean="0"/>
+          </a:p>
+          <a:p>
+            <a:pPr>
+              <a:buNone/>
+            </a:pPr>
+            <a:r>
+              <a:rPr lang="en-US" altLang="zh-CN" dirty="0" smtClean="0"/>
+              <a:t>	</a:t>
+            </a:r>
+            <a:r>
+              <a:rPr lang="zh-CN" altLang="en-US" dirty="0" smtClean="0"/>
+              <a:t>* </a:t>
+            </a:r>
+            <a:r>
+              <a:rPr lang="en-US" altLang="zh-CN" dirty="0" smtClean="0"/>
+              <a:t>jetty </a:t>
+            </a:r>
+            <a:r>
+              <a:rPr lang="zh-CN" altLang="en-US" dirty="0" smtClean="0"/>
+              <a:t>基于</a:t>
+            </a:r>
+            <a:r>
+              <a:rPr lang="en-US" altLang="zh-CN" dirty="0" smtClean="0"/>
+              <a:t>war</a:t>
+            </a:r>
+            <a:r>
+              <a:rPr lang="zh-CN" altLang="en-US" dirty="0" smtClean="0"/>
+              <a:t>，同时嵌入</a:t>
+            </a:r>
+            <a:r>
+              <a:rPr lang="en-US" altLang="zh-CN" dirty="0" smtClean="0"/>
+              <a:t>jetty</a:t>
+            </a:r>
+            <a:r>
+              <a:rPr lang="zh-CN" altLang="en-US" dirty="0" smtClean="0"/>
+              <a:t>包，能启动一</a:t>
+            </a:r>
+            <a:r>
+              <a:rPr lang="en-US" altLang="zh-CN" dirty="0" smtClean="0"/>
+              <a:t>	</a:t>
+            </a:r>
+            <a:r>
+              <a:rPr lang="zh-CN" altLang="en-US" dirty="0" smtClean="0"/>
+              <a:t>个</a:t>
+            </a:r>
+            <a:r>
+              <a:rPr lang="en-US" altLang="zh-CN" dirty="0" smtClean="0"/>
+              <a:t>jetty</a:t>
+            </a:r>
+            <a:r>
+              <a:rPr lang="zh-CN" altLang="en-US" dirty="0" smtClean="0"/>
+              <a:t>实例进行测试。</a:t>
             </a:r>
             <a:endParaRPr lang="zh-CN" altLang="en-US" dirty="0"/>
           </a:p>
@@ -7243,21 +7430,1770 @@
               <a:rPr lang="en-US" altLang="zh-CN" dirty="0" smtClean="0"/>
               <a:t>Java</a:t>
             </a:r>
+          </a:p>
+          <a:p>
+            <a:pPr lvl="1"/>
+            <a:r>
+              <a:rPr lang="en-US" altLang="zh-CN" dirty="0" smtClean="0"/>
+              <a:t>War</a:t>
+            </a:r>
+          </a:p>
+          <a:p>
+            <a:pPr lvl="1"/>
+            <a:r>
+              <a:rPr lang="en-US" altLang="zh-CN" dirty="0" smtClean="0"/>
+              <a:t>Jetty</a:t>
+            </a:r>
+          </a:p>
+        </p:txBody>
+      </p:sp>
+    </p:spTree>
+  </p:cSld>
+  <p:clrMapOvr>
+    <a:masterClrMapping/>
+  </p:clrMapOvr>
+</p:sld>
+</file>
+
+<file path=ppt/slides/slide20.xml><?xml version="1.0" encoding="utf-8"?>
+<p:sld xmlns:a="http://schemas.openxmlformats.org/drawingml/2006/main" xmlns:r="http://schemas.openxmlformats.org/officeDocument/2006/relationships" xmlns:p="http://schemas.openxmlformats.org/presentationml/2006/main">
+  <p:cSld>
+    <p:spTree>
+      <p:nvGrpSpPr>
+        <p:cNvPr id="1" name=""/>
+        <p:cNvGrpSpPr/>
+        <p:nvPr/>
+      </p:nvGrpSpPr>
+      <p:grpSpPr>
+        <a:xfrm>
+          <a:off x="0" y="0"/>
+          <a:ext cx="0" cy="0"/>
+          <a:chOff x="0" y="0"/>
+          <a:chExt cx="0" cy="0"/>
+        </a:xfrm>
+      </p:grpSpPr>
+      <p:sp>
+        <p:nvSpPr>
+          <p:cNvPr id="2" name="标题 1"/>
+          <p:cNvSpPr>
+            <a:spLocks noGrp="1"/>
+          </p:cNvSpPr>
+          <p:nvPr>
+            <p:ph type="title"/>
+          </p:nvPr>
+        </p:nvSpPr>
+        <p:spPr/>
+        <p:txBody>
+          <a:bodyPr/>
+          <a:lstStyle/>
+          <a:p>
+            <a:r>
+              <a:rPr lang="en-US" altLang="zh-CN" dirty="0" err="1" smtClean="0"/>
+              <a:t>Plugin</a:t>
+            </a:r>
+            <a:r>
+              <a:rPr lang="en-US" altLang="zh-CN" dirty="0" smtClean="0"/>
+              <a:t>——java</a:t>
+            </a:r>
+            <a:endParaRPr lang="zh-CN" altLang="en-US" dirty="0"/>
+          </a:p>
+        </p:txBody>
+      </p:sp>
+      <p:sp>
+        <p:nvSpPr>
+          <p:cNvPr id="3" name="内容占位符 2"/>
+          <p:cNvSpPr>
+            <a:spLocks noGrp="1"/>
+          </p:cNvSpPr>
+          <p:nvPr>
+            <p:ph idx="1"/>
+          </p:nvPr>
+        </p:nvSpPr>
+        <p:spPr/>
+        <p:txBody>
+          <a:bodyPr>
+            <a:normAutofit fontScale="92500" lnSpcReduction="20000"/>
+          </a:bodyPr>
+          <a:lstStyle/>
+          <a:p>
+            <a:r>
+              <a:rPr lang="zh-CN" altLang="en-US" dirty="0" smtClean="0"/>
+              <a:t>使用</a:t>
+            </a:r>
+            <a:r>
+              <a:rPr lang="en-US" altLang="zh-CN" dirty="0" smtClean="0"/>
+              <a:t>java </a:t>
+            </a:r>
+            <a:r>
+              <a:rPr lang="en-US" altLang="zh-CN" dirty="0" err="1" smtClean="0"/>
+              <a:t>plugin</a:t>
+            </a:r>
             <a:endParaRPr lang="en-US" altLang="zh-CN" dirty="0" smtClean="0"/>
           </a:p>
           <a:p>
+            <a:r>
+              <a:rPr lang="zh-CN" altLang="en-US" dirty="0" smtClean="0"/>
+              <a:t>目录结构</a:t>
+            </a:r>
+            <a:endParaRPr lang="en-US" altLang="zh-CN" dirty="0" smtClean="0"/>
+          </a:p>
+          <a:p>
+            <a:pPr>
+              <a:buNone/>
+            </a:pPr>
+            <a:r>
+              <a:rPr lang="en-US" altLang="zh-CN" dirty="0" smtClean="0"/>
+              <a:t>	</a:t>
+            </a:r>
+            <a:r>
+              <a:rPr lang="en-US" altLang="zh-CN" dirty="0" err="1" smtClean="0"/>
+              <a:t>src</a:t>
+            </a:r>
+            <a:endParaRPr lang="en-US" altLang="zh-CN" dirty="0" smtClean="0"/>
+          </a:p>
+          <a:p>
+            <a:pPr>
+              <a:buNone/>
+            </a:pPr>
+            <a:r>
+              <a:rPr lang="en-US" altLang="zh-CN" dirty="0" smtClean="0"/>
+              <a:t>		</a:t>
+            </a:r>
+            <a:r>
+              <a:rPr lang="en-US" altLang="zh-CN" dirty="0" smtClean="0"/>
+              <a:t>main</a:t>
+            </a:r>
+          </a:p>
+          <a:p>
+            <a:pPr>
+              <a:buNone/>
+            </a:pPr>
+            <a:r>
+              <a:rPr lang="en-US" altLang="zh-CN" dirty="0" smtClean="0"/>
+              <a:t>	</a:t>
+            </a:r>
+            <a:r>
+              <a:rPr lang="en-US" altLang="zh-CN" dirty="0" smtClean="0"/>
+              <a:t>		java </a:t>
+            </a:r>
+            <a:r>
+              <a:rPr lang="zh-CN" altLang="en-US" dirty="0" smtClean="0"/>
+              <a:t>存放</a:t>
+            </a:r>
+            <a:r>
+              <a:rPr lang="en-US" altLang="zh-CN" dirty="0" smtClean="0"/>
+              <a:t>java</a:t>
+            </a:r>
+            <a:r>
+              <a:rPr lang="zh-CN" altLang="en-US" dirty="0" smtClean="0"/>
+              <a:t>代码</a:t>
+            </a:r>
+            <a:endParaRPr lang="en-US" altLang="zh-CN" dirty="0" smtClean="0"/>
+          </a:p>
+          <a:p>
+            <a:pPr>
+              <a:buNone/>
+            </a:pPr>
+            <a:r>
+              <a:rPr lang="en-US" altLang="zh-CN" dirty="0" smtClean="0"/>
+              <a:t>	</a:t>
+            </a:r>
+            <a:r>
+              <a:rPr lang="en-US" altLang="zh-CN" dirty="0" smtClean="0"/>
+              <a:t>		resources </a:t>
+            </a:r>
+            <a:r>
+              <a:rPr lang="zh-CN" altLang="en-US" sz="3000" dirty="0" smtClean="0"/>
+              <a:t>存放资源文件，打包时放入代码</a:t>
+            </a:r>
+            <a:endParaRPr lang="en-US" altLang="zh-CN" dirty="0" smtClean="0"/>
+          </a:p>
+          <a:p>
+            <a:pPr>
+              <a:buNone/>
+            </a:pPr>
+            <a:r>
+              <a:rPr lang="en-US" altLang="zh-CN" dirty="0" smtClean="0"/>
+              <a:t>	</a:t>
+            </a:r>
+            <a:r>
+              <a:rPr lang="en-US" altLang="zh-CN" dirty="0" smtClean="0"/>
+              <a:t>	test</a:t>
+            </a:r>
+          </a:p>
+          <a:p>
+            <a:pPr>
+              <a:buNone/>
+            </a:pPr>
+            <a:r>
+              <a:rPr lang="en-US" altLang="zh-CN" dirty="0" smtClean="0"/>
+              <a:t>	</a:t>
+            </a:r>
+            <a:r>
+              <a:rPr lang="en-US" altLang="zh-CN" dirty="0" smtClean="0"/>
+              <a:t>		java </a:t>
+            </a:r>
+            <a:r>
+              <a:rPr lang="zh-CN" altLang="en-US" dirty="0" smtClean="0"/>
+              <a:t>存放</a:t>
+            </a:r>
+            <a:r>
+              <a:rPr lang="en-US" altLang="zh-CN" dirty="0" smtClean="0"/>
+              <a:t>java</a:t>
+            </a:r>
+            <a:r>
+              <a:rPr lang="zh-CN" altLang="en-US" dirty="0" smtClean="0"/>
+              <a:t>测试代码</a:t>
+            </a:r>
+            <a:endParaRPr lang="en-US" altLang="zh-CN" dirty="0" smtClean="0"/>
+          </a:p>
+          <a:p>
+            <a:pPr>
+              <a:buNone/>
+            </a:pPr>
+            <a:r>
+              <a:rPr lang="en-US" altLang="zh-CN" dirty="0" smtClean="0"/>
+              <a:t>	</a:t>
+            </a:r>
+            <a:r>
+              <a:rPr lang="en-US" altLang="zh-CN" dirty="0" smtClean="0"/>
+              <a:t>		resources</a:t>
+            </a:r>
+            <a:endParaRPr lang="zh-CN" altLang="en-US" dirty="0"/>
+          </a:p>
+        </p:txBody>
+      </p:sp>
+      <p:pic>
+        <p:nvPicPr>
+          <p:cNvPr id="1028" name="Picture 4"/>
+          <p:cNvPicPr>
+            <a:picLocks noChangeAspect="1" noChangeArrowheads="1"/>
+          </p:cNvPicPr>
+          <p:nvPr/>
+        </p:nvPicPr>
+        <p:blipFill>
+          <a:blip r:embed="rId2"/>
+          <a:srcRect/>
+          <a:stretch>
+            <a:fillRect/>
+          </a:stretch>
+        </p:blipFill>
+        <p:spPr bwMode="auto">
+          <a:xfrm>
+            <a:off x="3786182" y="1357298"/>
+            <a:ext cx="4524375" cy="1076325"/>
+          </a:xfrm>
+          <a:prstGeom prst="rect">
+            <a:avLst/>
+          </a:prstGeom>
+          <a:noFill/>
+          <a:ln w="9525">
+            <a:noFill/>
+            <a:miter lim="800000"/>
+            <a:headEnd/>
+            <a:tailEnd/>
+          </a:ln>
+          <a:effectLst/>
+        </p:spPr>
+      </p:pic>
+    </p:spTree>
+  </p:cSld>
+  <p:clrMapOvr>
+    <a:masterClrMapping/>
+  </p:clrMapOvr>
+</p:sld>
+</file>
+
+<file path=ppt/slides/slide21.xml><?xml version="1.0" encoding="utf-8"?>
+<p:sld xmlns:a="http://schemas.openxmlformats.org/drawingml/2006/main" xmlns:r="http://schemas.openxmlformats.org/officeDocument/2006/relationships" xmlns:p="http://schemas.openxmlformats.org/presentationml/2006/main">
+  <p:cSld>
+    <p:spTree>
+      <p:nvGrpSpPr>
+        <p:cNvPr id="1" name=""/>
+        <p:cNvGrpSpPr/>
+        <p:nvPr/>
+      </p:nvGrpSpPr>
+      <p:grpSpPr>
+        <a:xfrm>
+          <a:off x="0" y="0"/>
+          <a:ext cx="0" cy="0"/>
+          <a:chOff x="0" y="0"/>
+          <a:chExt cx="0" cy="0"/>
+        </a:xfrm>
+      </p:grpSpPr>
+      <p:sp>
+        <p:nvSpPr>
+          <p:cNvPr id="2" name="标题 1"/>
+          <p:cNvSpPr>
+            <a:spLocks noGrp="1"/>
+          </p:cNvSpPr>
+          <p:nvPr>
+            <p:ph type="title"/>
+          </p:nvPr>
+        </p:nvSpPr>
+        <p:spPr/>
+        <p:txBody>
+          <a:bodyPr>
+            <a:normAutofit/>
+          </a:bodyPr>
+          <a:lstStyle/>
+          <a:p>
+            <a:r>
+              <a:rPr lang="en-US" altLang="zh-CN" dirty="0" err="1" smtClean="0"/>
+              <a:t>PLUGIn</a:t>
+            </a:r>
+            <a:r>
+              <a:rPr lang="en-US" altLang="zh-CN" dirty="0" smtClean="0"/>
+              <a:t>——java</a:t>
+            </a:r>
+            <a:endParaRPr lang="zh-CN" altLang="en-US" dirty="0"/>
+          </a:p>
+        </p:txBody>
+      </p:sp>
+      <p:sp>
+        <p:nvSpPr>
+          <p:cNvPr id="3" name="内容占位符 2"/>
+          <p:cNvSpPr>
+            <a:spLocks noGrp="1"/>
+          </p:cNvSpPr>
+          <p:nvPr>
+            <p:ph idx="1"/>
+          </p:nvPr>
+        </p:nvSpPr>
+        <p:spPr/>
+        <p:txBody>
+          <a:bodyPr>
+            <a:normAutofit fontScale="92500" lnSpcReduction="10000"/>
+          </a:bodyPr>
+          <a:lstStyle/>
+          <a:p>
+            <a:r>
+              <a:rPr lang="en-US" altLang="zh-CN" dirty="0" smtClean="0"/>
+              <a:t>Task</a:t>
+            </a:r>
+            <a:r>
+              <a:rPr lang="zh-CN" altLang="en-US" dirty="0" smtClean="0"/>
+              <a:t>说明</a:t>
+            </a:r>
+            <a:endParaRPr lang="en-US" altLang="zh-CN" dirty="0" smtClean="0"/>
+          </a:p>
+          <a:p>
             <a:pPr lvl="1"/>
             <a:r>
               <a:rPr lang="en-US" altLang="zh-CN" dirty="0" smtClean="0"/>
-              <a:t>War</a:t>
+              <a:t>Clean</a:t>
             </a:r>
           </a:p>
           <a:p>
             <a:pPr lvl="1"/>
             <a:r>
               <a:rPr lang="en-US" altLang="zh-CN" dirty="0" smtClean="0"/>
+              <a:t>Compile</a:t>
+            </a:r>
+            <a:r>
+              <a:rPr lang="zh-CN" altLang="en-US" dirty="0" smtClean="0"/>
+              <a:t>（</a:t>
+            </a:r>
+            <a:r>
+              <a:rPr lang="en-US" altLang="zh-CN" dirty="0" err="1" smtClean="0"/>
+              <a:t>compileJava,compileTestJava</a:t>
+            </a:r>
+            <a:r>
+              <a:rPr lang="zh-CN" altLang="en-US" dirty="0" smtClean="0"/>
+              <a:t>）</a:t>
+            </a:r>
+            <a:endParaRPr lang="en-US" altLang="zh-CN" dirty="0" smtClean="0"/>
+          </a:p>
+          <a:p>
+            <a:pPr lvl="1"/>
+            <a:r>
+              <a:rPr lang="en-US" altLang="zh-CN" dirty="0" err="1" smtClean="0"/>
+              <a:t>processResources</a:t>
+            </a:r>
+            <a:r>
+              <a:rPr lang="en-US" altLang="zh-CN" dirty="0" smtClean="0"/>
+              <a:t>(</a:t>
+            </a:r>
+            <a:r>
+              <a:rPr lang="en-US" altLang="zh-CN" dirty="0" err="1" smtClean="0"/>
+              <a:t>processJavaResources</a:t>
+            </a:r>
+            <a:r>
+              <a:rPr lang="en-US" altLang="zh-CN" dirty="0" smtClean="0"/>
+              <a:t>, </a:t>
+            </a:r>
+            <a:r>
+              <a:rPr lang="en-US" altLang="zh-CN" dirty="0" err="1" smtClean="0"/>
+              <a:t>processTestResources</a:t>
+            </a:r>
+            <a:r>
+              <a:rPr lang="en-US" altLang="zh-CN" dirty="0" smtClean="0"/>
+              <a:t>)</a:t>
+            </a:r>
+          </a:p>
+          <a:p>
+            <a:pPr lvl="1"/>
+            <a:r>
+              <a:rPr lang="en-US" altLang="zh-CN" dirty="0" smtClean="0"/>
+              <a:t>Classes(classes, </a:t>
+            </a:r>
+            <a:r>
+              <a:rPr lang="en-US" altLang="zh-CN" dirty="0" err="1" smtClean="0"/>
+              <a:t>testClasses</a:t>
+            </a:r>
+            <a:r>
+              <a:rPr lang="en-US" altLang="zh-CN" dirty="0" smtClean="0"/>
+              <a:t>)</a:t>
+            </a:r>
+          </a:p>
+          <a:p>
+            <a:pPr lvl="1"/>
+            <a:r>
+              <a:rPr lang="en-US" altLang="zh-CN" dirty="0" smtClean="0"/>
+              <a:t>Test</a:t>
+            </a:r>
+          </a:p>
+          <a:p>
+            <a:pPr lvl="1"/>
+            <a:r>
+              <a:rPr lang="en-US" altLang="zh-CN" dirty="0" smtClean="0"/>
+              <a:t>Jar</a:t>
+            </a:r>
+          </a:p>
+          <a:p>
+            <a:pPr lvl="1"/>
+            <a:r>
+              <a:rPr lang="en-US" altLang="zh-CN" dirty="0" smtClean="0"/>
+              <a:t>Assemble</a:t>
+            </a:r>
+          </a:p>
+          <a:p>
+            <a:pPr lvl="1"/>
+            <a:r>
+              <a:rPr lang="en-US" altLang="zh-CN" dirty="0" smtClean="0"/>
+              <a:t>build</a:t>
+            </a:r>
+          </a:p>
+          <a:p>
+            <a:pPr lvl="1"/>
+            <a:endParaRPr lang="zh-CN" altLang="en-US" dirty="0"/>
+          </a:p>
+        </p:txBody>
+      </p:sp>
+    </p:spTree>
+  </p:cSld>
+  <p:clrMapOvr>
+    <a:masterClrMapping/>
+  </p:clrMapOvr>
+</p:sld>
+</file>
+
+<file path=ppt/slides/slide22.xml><?xml version="1.0" encoding="utf-8"?>
+<p:sld xmlns:a="http://schemas.openxmlformats.org/drawingml/2006/main" xmlns:r="http://schemas.openxmlformats.org/officeDocument/2006/relationships" xmlns:p="http://schemas.openxmlformats.org/presentationml/2006/main">
+  <p:cSld>
+    <p:spTree>
+      <p:nvGrpSpPr>
+        <p:cNvPr id="1" name=""/>
+        <p:cNvGrpSpPr/>
+        <p:nvPr/>
+      </p:nvGrpSpPr>
+      <p:grpSpPr>
+        <a:xfrm>
+          <a:off x="0" y="0"/>
+          <a:ext cx="0" cy="0"/>
+          <a:chOff x="0" y="0"/>
+          <a:chExt cx="0" cy="0"/>
+        </a:xfrm>
+      </p:grpSpPr>
+      <p:sp>
+        <p:nvSpPr>
+          <p:cNvPr id="2" name="标题 1"/>
+          <p:cNvSpPr>
+            <a:spLocks noGrp="1"/>
+          </p:cNvSpPr>
+          <p:nvPr>
+            <p:ph type="title"/>
+          </p:nvPr>
+        </p:nvSpPr>
+        <p:spPr/>
+        <p:txBody>
+          <a:bodyPr>
+            <a:normAutofit/>
+          </a:bodyPr>
+          <a:lstStyle/>
+          <a:p>
+            <a:r>
+              <a:rPr lang="en-US" altLang="zh-CN" dirty="0" err="1" smtClean="0"/>
+              <a:t>PLUGIn</a:t>
+            </a:r>
+            <a:r>
+              <a:rPr lang="en-US" altLang="zh-CN" dirty="0" smtClean="0"/>
+              <a:t>——java</a:t>
+            </a:r>
+            <a:endParaRPr lang="zh-CN" altLang="en-US" dirty="0"/>
+          </a:p>
+        </p:txBody>
+      </p:sp>
+      <p:sp>
+        <p:nvSpPr>
+          <p:cNvPr id="3" name="内容占位符 2"/>
+          <p:cNvSpPr>
+            <a:spLocks noGrp="1"/>
+          </p:cNvSpPr>
+          <p:nvPr>
+            <p:ph idx="1"/>
+          </p:nvPr>
+        </p:nvSpPr>
+        <p:spPr/>
+        <p:txBody>
+          <a:bodyPr>
+            <a:normAutofit fontScale="92500" lnSpcReduction="10000"/>
+          </a:bodyPr>
+          <a:lstStyle/>
+          <a:p>
+            <a:r>
+              <a:rPr lang="en-US" altLang="zh-CN" dirty="0" smtClean="0"/>
+              <a:t>Task</a:t>
+            </a:r>
+            <a:r>
+              <a:rPr lang="zh-CN" altLang="en-US" dirty="0" smtClean="0"/>
+              <a:t>说明</a:t>
+            </a:r>
+            <a:endParaRPr lang="en-US" altLang="zh-CN" dirty="0" smtClean="0"/>
+          </a:p>
+          <a:p>
+            <a:pPr lvl="1"/>
+            <a:r>
+              <a:rPr lang="en-US" altLang="zh-CN" dirty="0" smtClean="0"/>
+              <a:t>Clean</a:t>
+            </a:r>
+          </a:p>
+          <a:p>
+            <a:pPr lvl="1"/>
+            <a:r>
+              <a:rPr lang="en-US" altLang="zh-CN" dirty="0" smtClean="0"/>
+              <a:t>Compile</a:t>
+            </a:r>
+            <a:r>
+              <a:rPr lang="zh-CN" altLang="en-US" dirty="0" smtClean="0"/>
+              <a:t>（</a:t>
+            </a:r>
+            <a:r>
+              <a:rPr lang="en-US" altLang="zh-CN" dirty="0" err="1" smtClean="0"/>
+              <a:t>compileJava,compileTestJava</a:t>
+            </a:r>
+            <a:r>
+              <a:rPr lang="zh-CN" altLang="en-US" dirty="0" smtClean="0"/>
+              <a:t>）</a:t>
+            </a:r>
+            <a:endParaRPr lang="en-US" altLang="zh-CN" dirty="0" smtClean="0"/>
+          </a:p>
+          <a:p>
+            <a:pPr lvl="1"/>
+            <a:r>
+              <a:rPr lang="en-US" altLang="zh-CN" dirty="0" err="1" smtClean="0"/>
+              <a:t>processResources</a:t>
+            </a:r>
+            <a:r>
+              <a:rPr lang="en-US" altLang="zh-CN" dirty="0" smtClean="0"/>
+              <a:t>(</a:t>
+            </a:r>
+            <a:r>
+              <a:rPr lang="en-US" altLang="zh-CN" dirty="0" err="1" smtClean="0"/>
+              <a:t>processJavaResources</a:t>
+            </a:r>
+            <a:r>
+              <a:rPr lang="en-US" altLang="zh-CN" dirty="0" smtClean="0"/>
+              <a:t>, </a:t>
+            </a:r>
+            <a:r>
+              <a:rPr lang="en-US" altLang="zh-CN" dirty="0" err="1" smtClean="0"/>
+              <a:t>processTestResources</a:t>
+            </a:r>
+            <a:r>
+              <a:rPr lang="en-US" altLang="zh-CN" dirty="0" smtClean="0"/>
+              <a:t>)</a:t>
+            </a:r>
+          </a:p>
+          <a:p>
+            <a:pPr lvl="1"/>
+            <a:r>
+              <a:rPr lang="en-US" altLang="zh-CN" dirty="0" smtClean="0"/>
+              <a:t>Classes(classes, </a:t>
+            </a:r>
+            <a:r>
+              <a:rPr lang="en-US" altLang="zh-CN" dirty="0" err="1" smtClean="0"/>
+              <a:t>testClasses</a:t>
+            </a:r>
+            <a:r>
+              <a:rPr lang="en-US" altLang="zh-CN" dirty="0" smtClean="0"/>
+              <a:t>)</a:t>
+            </a:r>
+          </a:p>
+          <a:p>
+            <a:pPr lvl="1"/>
+            <a:r>
+              <a:rPr lang="en-US" altLang="zh-CN" dirty="0" smtClean="0"/>
+              <a:t>Test</a:t>
+            </a:r>
+          </a:p>
+          <a:p>
+            <a:pPr lvl="1"/>
+            <a:r>
+              <a:rPr lang="en-US" altLang="zh-CN" dirty="0" smtClean="0"/>
+              <a:t>Jar</a:t>
+            </a:r>
+          </a:p>
+          <a:p>
+            <a:pPr lvl="1"/>
+            <a:r>
+              <a:rPr lang="en-US" altLang="zh-CN" dirty="0" smtClean="0"/>
+              <a:t>Assemble</a:t>
+            </a:r>
+          </a:p>
+          <a:p>
+            <a:pPr lvl="1"/>
+            <a:r>
+              <a:rPr lang="en-US" altLang="zh-CN" dirty="0" smtClean="0"/>
+              <a:t>build</a:t>
+            </a:r>
+          </a:p>
+          <a:p>
+            <a:pPr lvl="1"/>
+            <a:endParaRPr lang="zh-CN" altLang="en-US" dirty="0"/>
+          </a:p>
+        </p:txBody>
+      </p:sp>
+      <p:pic>
+        <p:nvPicPr>
+          <p:cNvPr id="2050" name="Picture 2"/>
+          <p:cNvPicPr>
+            <a:picLocks noChangeAspect="1" noChangeArrowheads="1"/>
+          </p:cNvPicPr>
+          <p:nvPr/>
+        </p:nvPicPr>
+        <p:blipFill>
+          <a:blip r:embed="rId2"/>
+          <a:srcRect/>
+          <a:stretch>
+            <a:fillRect/>
+          </a:stretch>
+        </p:blipFill>
+        <p:spPr bwMode="auto">
+          <a:xfrm>
+            <a:off x="4357686" y="2571744"/>
+            <a:ext cx="4491042" cy="3929073"/>
+          </a:xfrm>
+          <a:prstGeom prst="rect">
+            <a:avLst/>
+          </a:prstGeom>
+          <a:noFill/>
+          <a:ln w="9525">
+            <a:noFill/>
+            <a:miter lim="800000"/>
+            <a:headEnd/>
+            <a:tailEnd/>
+          </a:ln>
+          <a:effectLst/>
+        </p:spPr>
+      </p:pic>
+    </p:spTree>
+  </p:cSld>
+  <p:clrMapOvr>
+    <a:masterClrMapping/>
+  </p:clrMapOvr>
+</p:sld>
+</file>
+
+<file path=ppt/slides/slide23.xml><?xml version="1.0" encoding="utf-8"?>
+<p:sld xmlns:a="http://schemas.openxmlformats.org/drawingml/2006/main" xmlns:r="http://schemas.openxmlformats.org/officeDocument/2006/relationships" xmlns:p="http://schemas.openxmlformats.org/presentationml/2006/main">
+  <p:cSld>
+    <p:spTree>
+      <p:nvGrpSpPr>
+        <p:cNvPr id="1" name=""/>
+        <p:cNvGrpSpPr/>
+        <p:nvPr/>
+      </p:nvGrpSpPr>
+      <p:grpSpPr>
+        <a:xfrm>
+          <a:off x="0" y="0"/>
+          <a:ext cx="0" cy="0"/>
+          <a:chOff x="0" y="0"/>
+          <a:chExt cx="0" cy="0"/>
+        </a:xfrm>
+      </p:grpSpPr>
+      <p:sp>
+        <p:nvSpPr>
+          <p:cNvPr id="2" name="标题 1"/>
+          <p:cNvSpPr>
+            <a:spLocks noGrp="1"/>
+          </p:cNvSpPr>
+          <p:nvPr>
+            <p:ph type="title"/>
+          </p:nvPr>
+        </p:nvSpPr>
+        <p:spPr/>
+        <p:txBody>
+          <a:bodyPr/>
+          <a:lstStyle/>
+          <a:p>
+            <a:r>
+              <a:rPr lang="en-US" altLang="zh-CN" dirty="0" err="1" smtClean="0"/>
+              <a:t>plugin</a:t>
+            </a:r>
+            <a:r>
+              <a:rPr lang="en-US" altLang="zh-CN" dirty="0" smtClean="0"/>
+              <a:t>-——java</a:t>
+            </a:r>
+            <a:endParaRPr lang="zh-CN" altLang="en-US" dirty="0"/>
+          </a:p>
+        </p:txBody>
+      </p:sp>
+      <p:sp>
+        <p:nvSpPr>
+          <p:cNvPr id="3" name="内容占位符 2"/>
+          <p:cNvSpPr>
+            <a:spLocks noGrp="1"/>
+          </p:cNvSpPr>
+          <p:nvPr>
+            <p:ph idx="1"/>
+          </p:nvPr>
+        </p:nvSpPr>
+        <p:spPr/>
+        <p:txBody>
+          <a:bodyPr/>
+          <a:lstStyle/>
+          <a:p>
+            <a:pPr>
+              <a:buNone/>
+            </a:pPr>
+            <a:r>
+              <a:rPr lang="zh-CN" altLang="en-US" dirty="0" smtClean="0"/>
+              <a:t>执行</a:t>
+            </a:r>
+            <a:r>
+              <a:rPr lang="en-US" altLang="zh-CN" dirty="0" smtClean="0"/>
+              <a:t>build</a:t>
+            </a:r>
+            <a:r>
+              <a:rPr lang="zh-CN" altLang="en-US" dirty="0" smtClean="0"/>
+              <a:t>，</a:t>
+            </a:r>
+            <a:r>
+              <a:rPr lang="en-US" altLang="zh-CN" dirty="0" err="1" smtClean="0"/>
+              <a:t>gradle</a:t>
+            </a:r>
+            <a:r>
+              <a:rPr lang="zh-CN" altLang="en-US" dirty="0" smtClean="0"/>
+              <a:t>会生成</a:t>
+            </a:r>
+            <a:r>
+              <a:rPr lang="en-US" altLang="zh-CN" dirty="0" smtClean="0"/>
+              <a:t>build</a:t>
+            </a:r>
+            <a:r>
+              <a:rPr lang="zh-CN" altLang="en-US" dirty="0" smtClean="0"/>
+              <a:t>文件夹</a:t>
+            </a:r>
+            <a:endParaRPr lang="zh-CN" altLang="en-US" dirty="0"/>
+          </a:p>
+        </p:txBody>
+      </p:sp>
+      <p:pic>
+        <p:nvPicPr>
+          <p:cNvPr id="3074" name="Picture 2"/>
+          <p:cNvPicPr>
+            <a:picLocks noChangeAspect="1" noChangeArrowheads="1"/>
+          </p:cNvPicPr>
+          <p:nvPr/>
+        </p:nvPicPr>
+        <p:blipFill>
+          <a:blip r:embed="rId2"/>
+          <a:srcRect/>
+          <a:stretch>
+            <a:fillRect/>
+          </a:stretch>
+        </p:blipFill>
+        <p:spPr bwMode="auto">
+          <a:xfrm>
+            <a:off x="571472" y="2357430"/>
+            <a:ext cx="3105150" cy="3990975"/>
+          </a:xfrm>
+          <a:prstGeom prst="rect">
+            <a:avLst/>
+          </a:prstGeom>
+          <a:noFill/>
+          <a:ln w="9525">
+            <a:noFill/>
+            <a:miter lim="800000"/>
+            <a:headEnd/>
+            <a:tailEnd/>
+          </a:ln>
+          <a:effectLst/>
+        </p:spPr>
+      </p:pic>
+      <p:sp>
+        <p:nvSpPr>
+          <p:cNvPr id="5" name="TextBox 4"/>
+          <p:cNvSpPr txBox="1"/>
+          <p:nvPr/>
+        </p:nvSpPr>
+        <p:spPr>
+          <a:xfrm>
+            <a:off x="4000496" y="2643182"/>
+            <a:ext cx="4786346" cy="1631216"/>
+          </a:xfrm>
+          <a:prstGeom prst="rect">
+            <a:avLst/>
+          </a:prstGeom>
+          <a:noFill/>
+        </p:spPr>
+        <p:txBody>
+          <a:bodyPr wrap="square" rtlCol="0">
+            <a:spAutoFit/>
+          </a:bodyPr>
+          <a:lstStyle/>
+          <a:p>
+            <a:r>
+              <a:rPr lang="en-US" altLang="zh-CN" sz="2000" dirty="0" smtClean="0"/>
+              <a:t>Classes: java</a:t>
+            </a:r>
+            <a:r>
+              <a:rPr lang="zh-CN" altLang="en-US" sz="2000" dirty="0" smtClean="0"/>
+              <a:t>类和测试类均放在此处</a:t>
+            </a:r>
+            <a:endParaRPr lang="en-US" altLang="zh-CN" sz="2000" dirty="0" smtClean="0"/>
+          </a:p>
+          <a:p>
+            <a:r>
+              <a:rPr lang="en-US" altLang="zh-CN" sz="2000" dirty="0" err="1" smtClean="0"/>
+              <a:t>Libs</a:t>
+            </a:r>
+            <a:r>
+              <a:rPr lang="zh-CN" altLang="en-US" sz="2000" dirty="0" smtClean="0"/>
+              <a:t>： 存放生成的</a:t>
+            </a:r>
+            <a:r>
+              <a:rPr lang="en-US" altLang="zh-CN" sz="2000" dirty="0" smtClean="0"/>
+              <a:t>jar</a:t>
+            </a:r>
+            <a:r>
+              <a:rPr lang="zh-CN" altLang="en-US" sz="2000" dirty="0" smtClean="0"/>
+              <a:t>文件</a:t>
+            </a:r>
+            <a:endParaRPr lang="en-US" altLang="zh-CN" sz="2000" dirty="0" smtClean="0"/>
+          </a:p>
+          <a:p>
+            <a:r>
+              <a:rPr lang="en-US" altLang="zh-CN" sz="2000" dirty="0" err="1" smtClean="0"/>
+              <a:t>Reports.tests</a:t>
+            </a:r>
+            <a:r>
+              <a:rPr lang="en-US" altLang="zh-CN" sz="2000" dirty="0" smtClean="0"/>
+              <a:t> </a:t>
+            </a:r>
+            <a:r>
+              <a:rPr lang="zh-CN" altLang="en-US" sz="2000" dirty="0" smtClean="0"/>
+              <a:t>以</a:t>
+            </a:r>
+            <a:r>
+              <a:rPr lang="en-US" altLang="zh-CN" sz="2000" dirty="0" smtClean="0"/>
+              <a:t>html</a:t>
+            </a:r>
+            <a:r>
+              <a:rPr lang="zh-CN" altLang="en-US" sz="2000" dirty="0" smtClean="0"/>
+              <a:t>的形式展现测试信息</a:t>
+            </a:r>
+            <a:endParaRPr lang="en-US" altLang="zh-CN" sz="2000" dirty="0" smtClean="0"/>
+          </a:p>
+          <a:p>
+            <a:r>
+              <a:rPr lang="en-US" altLang="zh-CN" sz="2000" dirty="0" smtClean="0"/>
+              <a:t>Resources</a:t>
+            </a:r>
+            <a:r>
+              <a:rPr lang="zh-CN" altLang="en-US" sz="2000" dirty="0" smtClean="0"/>
+              <a:t>：资源文件存放位置</a:t>
+            </a:r>
+            <a:endParaRPr lang="en-US" altLang="zh-CN" sz="2000" dirty="0" smtClean="0"/>
+          </a:p>
+          <a:p>
+            <a:r>
+              <a:rPr lang="en-US" altLang="zh-CN" sz="2000" dirty="0" err="1" smtClean="0"/>
+              <a:t>Tmp</a:t>
+            </a:r>
+            <a:r>
+              <a:rPr lang="zh-CN" altLang="en-US" sz="2000" dirty="0" smtClean="0"/>
+              <a:t>： 存放临时文件，如</a:t>
+            </a:r>
+            <a:r>
+              <a:rPr lang="en-US" altLang="zh-CN" sz="2000" dirty="0" smtClean="0"/>
+              <a:t>MANIFEST.MF</a:t>
+            </a:r>
+            <a:endParaRPr lang="zh-CN" altLang="en-US" sz="2000" dirty="0"/>
+          </a:p>
+        </p:txBody>
+      </p:sp>
+      <p:sp>
+        <p:nvSpPr>
+          <p:cNvPr id="6" name="TextBox 5"/>
+          <p:cNvSpPr txBox="1"/>
+          <p:nvPr/>
+        </p:nvSpPr>
+        <p:spPr>
+          <a:xfrm>
+            <a:off x="4071934" y="4572008"/>
+            <a:ext cx="3193951" cy="1200329"/>
+          </a:xfrm>
+          <a:prstGeom prst="rect">
+            <a:avLst/>
+          </a:prstGeom>
+          <a:noFill/>
+        </p:spPr>
+        <p:txBody>
+          <a:bodyPr wrap="none" rtlCol="0">
+            <a:spAutoFit/>
+          </a:bodyPr>
+          <a:lstStyle/>
+          <a:p>
+            <a:r>
+              <a:rPr lang="zh-CN" altLang="en-US" dirty="0" smtClean="0"/>
+              <a:t>演示：</a:t>
+            </a:r>
+            <a:endParaRPr lang="en-US" altLang="zh-CN" dirty="0" smtClean="0"/>
+          </a:p>
+          <a:p>
+            <a:pPr marL="342900" indent="-342900">
+              <a:buAutoNum type="arabicPeriod"/>
+            </a:pPr>
+            <a:r>
+              <a:rPr lang="en-US" altLang="zh-CN" dirty="0" err="1" smtClean="0"/>
+              <a:t>Gradle</a:t>
+            </a:r>
+            <a:r>
+              <a:rPr lang="en-US" altLang="zh-CN" dirty="0" smtClean="0"/>
+              <a:t> –b </a:t>
+            </a:r>
+            <a:r>
+              <a:rPr lang="en-US" altLang="zh-CN" dirty="0" err="1" smtClean="0"/>
+              <a:t>java.gradle</a:t>
+            </a:r>
+            <a:r>
+              <a:rPr lang="en-US" altLang="zh-CN" dirty="0" smtClean="0"/>
+              <a:t> clean</a:t>
+            </a:r>
+          </a:p>
+          <a:p>
+            <a:pPr marL="342900" indent="-342900">
+              <a:buAutoNum type="arabicPeriod"/>
+            </a:pPr>
+            <a:r>
+              <a:rPr lang="en-US" altLang="zh-CN" dirty="0" err="1" smtClean="0"/>
+              <a:t>Gradle</a:t>
+            </a:r>
+            <a:r>
+              <a:rPr lang="en-US" altLang="zh-CN" dirty="0" smtClean="0"/>
+              <a:t> –b </a:t>
+            </a:r>
+            <a:r>
+              <a:rPr lang="en-US" altLang="zh-CN" dirty="0" err="1" smtClean="0"/>
+              <a:t>java.gradle</a:t>
+            </a:r>
+            <a:r>
+              <a:rPr lang="en-US" altLang="zh-CN" dirty="0" smtClean="0"/>
+              <a:t> test</a:t>
+            </a:r>
+          </a:p>
+          <a:p>
+            <a:pPr marL="342900" indent="-342900">
+              <a:buAutoNum type="arabicPeriod"/>
+            </a:pPr>
+            <a:r>
+              <a:rPr lang="en-US" altLang="zh-CN" dirty="0" err="1" smtClean="0"/>
+              <a:t>Gradle</a:t>
+            </a:r>
+            <a:r>
+              <a:rPr lang="en-US" altLang="zh-CN" dirty="0" smtClean="0"/>
+              <a:t> –b </a:t>
+            </a:r>
+            <a:r>
+              <a:rPr lang="en-US" altLang="zh-CN" dirty="0" err="1" smtClean="0"/>
+              <a:t>java.gradle</a:t>
+            </a:r>
+            <a:r>
+              <a:rPr lang="en-US" altLang="zh-CN" dirty="0" smtClean="0"/>
+              <a:t> build</a:t>
+            </a:r>
+            <a:endParaRPr lang="zh-CN" altLang="en-US" dirty="0"/>
+          </a:p>
+        </p:txBody>
+      </p:sp>
+      <p:sp>
+        <p:nvSpPr>
+          <p:cNvPr id="7" name="TextBox 6"/>
+          <p:cNvSpPr txBox="1"/>
+          <p:nvPr/>
+        </p:nvSpPr>
+        <p:spPr>
+          <a:xfrm>
+            <a:off x="785786" y="6357958"/>
+            <a:ext cx="7643866" cy="369332"/>
+          </a:xfrm>
+          <a:prstGeom prst="rect">
+            <a:avLst/>
+          </a:prstGeom>
+          <a:noFill/>
+        </p:spPr>
+        <p:txBody>
+          <a:bodyPr wrap="square" rtlCol="0">
+            <a:spAutoFit/>
+          </a:bodyPr>
+          <a:lstStyle/>
+          <a:p>
+            <a:r>
+              <a:rPr lang="zh-CN" altLang="en-US" dirty="0" smtClean="0"/>
+              <a:t>实例：</a:t>
+            </a:r>
+            <a:r>
+              <a:rPr lang="en-US" altLang="zh-CN" dirty="0" smtClean="0">
+                <a:hlinkClick r:id="rId3"/>
+              </a:rPr>
+              <a:t>https</a:t>
+            </a:r>
+            <a:r>
+              <a:rPr lang="en-US" altLang="zh-CN" dirty="0" smtClean="0">
+                <a:hlinkClick r:id="rId3"/>
+              </a:rPr>
+              <a:t>://</a:t>
+            </a:r>
+            <a:r>
+              <a:rPr lang="en-US" altLang="zh-CN" dirty="0" smtClean="0">
+                <a:hlinkClick r:id="rId3"/>
+              </a:rPr>
+              <a:t>github.com/shushanfx/gradle/blob/master/java.gradle</a:t>
+            </a:r>
+            <a:r>
+              <a:rPr lang="zh-CN" altLang="en-US" dirty="0" smtClean="0"/>
+              <a:t> </a:t>
+            </a:r>
+            <a:endParaRPr lang="en-US" altLang="zh-CN" dirty="0" smtClean="0"/>
+          </a:p>
+        </p:txBody>
+      </p:sp>
+    </p:spTree>
+  </p:cSld>
+  <p:clrMapOvr>
+    <a:masterClrMapping/>
+  </p:clrMapOvr>
+</p:sld>
+</file>
+
+<file path=ppt/slides/slide24.xml><?xml version="1.0" encoding="utf-8"?>
+<p:sld xmlns:a="http://schemas.openxmlformats.org/drawingml/2006/main" xmlns:r="http://schemas.openxmlformats.org/officeDocument/2006/relationships" xmlns:p="http://schemas.openxmlformats.org/presentationml/2006/main">
+  <p:cSld>
+    <p:spTree>
+      <p:nvGrpSpPr>
+        <p:cNvPr id="1" name=""/>
+        <p:cNvGrpSpPr/>
+        <p:nvPr/>
+      </p:nvGrpSpPr>
+      <p:grpSpPr>
+        <a:xfrm>
+          <a:off x="0" y="0"/>
+          <a:ext cx="0" cy="0"/>
+          <a:chOff x="0" y="0"/>
+          <a:chExt cx="0" cy="0"/>
+        </a:xfrm>
+      </p:grpSpPr>
+      <p:sp>
+        <p:nvSpPr>
+          <p:cNvPr id="2" name="标题 1"/>
+          <p:cNvSpPr>
+            <a:spLocks noGrp="1"/>
+          </p:cNvSpPr>
+          <p:nvPr>
+            <p:ph type="title"/>
+          </p:nvPr>
+        </p:nvSpPr>
+        <p:spPr/>
+        <p:txBody>
+          <a:bodyPr/>
+          <a:lstStyle/>
+          <a:p>
+            <a:r>
+              <a:rPr lang="en-US" altLang="zh-CN" dirty="0" err="1" smtClean="0"/>
+              <a:t>plugin</a:t>
+            </a:r>
+            <a:r>
+              <a:rPr lang="en-US" altLang="zh-CN" dirty="0" smtClean="0"/>
+              <a:t>-——war</a:t>
+            </a:r>
+            <a:endParaRPr lang="zh-CN" altLang="en-US" dirty="0"/>
+          </a:p>
+        </p:txBody>
+      </p:sp>
+      <p:sp>
+        <p:nvSpPr>
+          <p:cNvPr id="3" name="内容占位符 2"/>
+          <p:cNvSpPr>
+            <a:spLocks noGrp="1"/>
+          </p:cNvSpPr>
+          <p:nvPr>
+            <p:ph idx="1"/>
+          </p:nvPr>
+        </p:nvSpPr>
+        <p:spPr/>
+        <p:txBody>
+          <a:bodyPr/>
+          <a:lstStyle/>
+          <a:p>
+            <a:pPr>
+              <a:buNone/>
+            </a:pPr>
+            <a:r>
+              <a:rPr lang="en-US" altLang="zh-CN" dirty="0" smtClean="0"/>
+              <a:t>WAR</a:t>
+            </a:r>
+            <a:r>
+              <a:rPr lang="zh-CN" altLang="en-US" dirty="0" smtClean="0"/>
+              <a:t>插件基于</a:t>
+            </a:r>
+            <a:r>
+              <a:rPr lang="en-US" altLang="zh-CN" dirty="0" smtClean="0"/>
+              <a:t>java</a:t>
+            </a:r>
+            <a:r>
+              <a:rPr lang="zh-CN" altLang="en-US" dirty="0" smtClean="0"/>
+              <a:t>，因此</a:t>
+            </a:r>
+            <a:r>
+              <a:rPr lang="en-US" altLang="zh-CN" dirty="0" smtClean="0"/>
+              <a:t>java</a:t>
+            </a:r>
+            <a:r>
+              <a:rPr lang="zh-CN" altLang="en-US" dirty="0" smtClean="0"/>
+              <a:t>插件的属性和</a:t>
+            </a:r>
+            <a:r>
+              <a:rPr lang="en-US" altLang="zh-CN" dirty="0" smtClean="0"/>
+              <a:t>task</a:t>
+            </a:r>
+            <a:r>
+              <a:rPr lang="zh-CN" altLang="en-US" dirty="0" smtClean="0"/>
+              <a:t>均被</a:t>
+            </a:r>
+            <a:r>
+              <a:rPr lang="en-US" altLang="zh-CN" dirty="0" smtClean="0"/>
+              <a:t>WAR</a:t>
+            </a:r>
+            <a:r>
+              <a:rPr lang="zh-CN" altLang="en-US" dirty="0" smtClean="0"/>
+              <a:t>吸收。不同的是：</a:t>
+            </a:r>
+            <a:endParaRPr lang="en-US" altLang="zh-CN" dirty="0" smtClean="0"/>
+          </a:p>
+          <a:p>
+            <a:pPr>
+              <a:buFont typeface="Arial" charset="0"/>
+              <a:buChar char="•"/>
+            </a:pPr>
+            <a:r>
+              <a:rPr lang="en-US" altLang="zh-CN" dirty="0" smtClean="0"/>
+              <a:t>WAR</a:t>
+            </a:r>
+            <a:r>
+              <a:rPr lang="zh-CN" altLang="en-US" dirty="0" smtClean="0"/>
+              <a:t>包含</a:t>
+            </a:r>
+            <a:r>
+              <a:rPr lang="en-US" altLang="zh-CN" dirty="0" err="1" smtClean="0"/>
+              <a:t>src</a:t>
+            </a:r>
+            <a:r>
+              <a:rPr lang="en-US" altLang="zh-CN" dirty="0" smtClean="0"/>
+              <a:t>/main/</a:t>
+            </a:r>
+            <a:r>
+              <a:rPr lang="en-US" altLang="zh-CN" dirty="0" err="1" smtClean="0"/>
+              <a:t>webapp</a:t>
+            </a:r>
+            <a:endParaRPr lang="en-US" altLang="zh-CN" dirty="0" smtClean="0"/>
+          </a:p>
+          <a:p>
+            <a:pPr>
+              <a:buFont typeface="Arial" charset="0"/>
+              <a:buChar char="•"/>
+            </a:pPr>
+            <a:r>
+              <a:rPr lang="en-US" altLang="zh-CN" dirty="0" smtClean="0"/>
+              <a:t>WAR</a:t>
+            </a:r>
+            <a:r>
+              <a:rPr lang="zh-CN" altLang="en-US" dirty="0" smtClean="0"/>
+              <a:t>包含</a:t>
+            </a:r>
+            <a:r>
+              <a:rPr lang="en-US" altLang="zh-CN" dirty="0" smtClean="0"/>
+              <a:t>task war</a:t>
+            </a:r>
+          </a:p>
+          <a:p>
+            <a:pPr>
+              <a:buFont typeface="Arial" charset="0"/>
+              <a:buChar char="•"/>
+            </a:pPr>
+            <a:r>
+              <a:rPr lang="zh-CN" altLang="en-US" dirty="0" smtClean="0"/>
+              <a:t>执行</a:t>
+            </a:r>
+            <a:r>
+              <a:rPr lang="en-US" altLang="zh-CN" dirty="0" smtClean="0"/>
+              <a:t>task war</a:t>
+            </a:r>
+            <a:r>
+              <a:rPr lang="zh-CN" altLang="en-US" dirty="0" smtClean="0"/>
+              <a:t>，会在</a:t>
+            </a:r>
+            <a:r>
+              <a:rPr lang="en-US" altLang="zh-CN" dirty="0" smtClean="0"/>
+              <a:t>build/</a:t>
+            </a:r>
+            <a:r>
+              <a:rPr lang="en-US" altLang="zh-CN" dirty="0" err="1" smtClean="0"/>
+              <a:t>libs</a:t>
+            </a:r>
+            <a:r>
+              <a:rPr lang="zh-CN" altLang="en-US" dirty="0" smtClean="0"/>
+              <a:t>下生成</a:t>
+            </a:r>
+            <a:r>
+              <a:rPr lang="en-US" altLang="zh-CN" dirty="0" smtClean="0"/>
+              <a:t>war</a:t>
+            </a:r>
+            <a:r>
+              <a:rPr lang="zh-CN" altLang="en-US" dirty="0" smtClean="0"/>
+              <a:t>包</a:t>
+            </a:r>
+            <a:endParaRPr lang="en-US" altLang="zh-CN" dirty="0" smtClean="0"/>
+          </a:p>
+          <a:p>
+            <a:pPr>
+              <a:buNone/>
+            </a:pPr>
+            <a:endParaRPr lang="zh-CN" altLang="en-US" dirty="0"/>
+          </a:p>
+        </p:txBody>
+      </p:sp>
+      <p:pic>
+        <p:nvPicPr>
+          <p:cNvPr id="4098" name="Picture 2"/>
+          <p:cNvPicPr>
+            <a:picLocks noChangeAspect="1" noChangeArrowheads="1"/>
+          </p:cNvPicPr>
+          <p:nvPr/>
+        </p:nvPicPr>
+        <p:blipFill>
+          <a:blip r:embed="rId2"/>
+          <a:srcRect/>
+          <a:stretch>
+            <a:fillRect/>
+          </a:stretch>
+        </p:blipFill>
+        <p:spPr bwMode="auto">
+          <a:xfrm>
+            <a:off x="1357290" y="4357694"/>
+            <a:ext cx="2105025" cy="1838325"/>
+          </a:xfrm>
+          <a:prstGeom prst="rect">
+            <a:avLst/>
+          </a:prstGeom>
+          <a:noFill/>
+          <a:ln w="9525">
+            <a:noFill/>
+            <a:miter lim="800000"/>
+            <a:headEnd/>
+            <a:tailEnd/>
+          </a:ln>
+          <a:effectLst/>
+        </p:spPr>
+      </p:pic>
+      <p:pic>
+        <p:nvPicPr>
+          <p:cNvPr id="4099" name="Picture 3"/>
+          <p:cNvPicPr>
+            <a:picLocks noChangeAspect="1" noChangeArrowheads="1"/>
+          </p:cNvPicPr>
+          <p:nvPr/>
+        </p:nvPicPr>
+        <p:blipFill>
+          <a:blip r:embed="rId3"/>
+          <a:srcRect/>
+          <a:stretch>
+            <a:fillRect/>
+          </a:stretch>
+        </p:blipFill>
+        <p:spPr bwMode="auto">
+          <a:xfrm>
+            <a:off x="4286248" y="4500570"/>
+            <a:ext cx="3524250" cy="1123950"/>
+          </a:xfrm>
+          <a:prstGeom prst="rect">
+            <a:avLst/>
+          </a:prstGeom>
+          <a:noFill/>
+          <a:ln w="9525">
+            <a:noFill/>
+            <a:miter lim="800000"/>
+            <a:headEnd/>
+            <a:tailEnd/>
+          </a:ln>
+          <a:effectLst/>
+        </p:spPr>
+      </p:pic>
+      <p:sp>
+        <p:nvSpPr>
+          <p:cNvPr id="7" name="TextBox 6"/>
+          <p:cNvSpPr txBox="1"/>
+          <p:nvPr/>
+        </p:nvSpPr>
+        <p:spPr>
+          <a:xfrm>
+            <a:off x="857224" y="6357958"/>
+            <a:ext cx="7429552" cy="369332"/>
+          </a:xfrm>
+          <a:prstGeom prst="rect">
+            <a:avLst/>
+          </a:prstGeom>
+          <a:noFill/>
+        </p:spPr>
+        <p:txBody>
+          <a:bodyPr wrap="square" rtlCol="0">
+            <a:spAutoFit/>
+          </a:bodyPr>
+          <a:lstStyle/>
+          <a:p>
+            <a:r>
+              <a:rPr lang="zh-CN" altLang="en-US" dirty="0" smtClean="0"/>
+              <a:t>实例：</a:t>
+            </a:r>
+            <a:r>
+              <a:rPr lang="en-US" altLang="zh-CN" dirty="0" smtClean="0">
+                <a:hlinkClick r:id="rId4"/>
+              </a:rPr>
+              <a:t>https</a:t>
+            </a:r>
+            <a:r>
+              <a:rPr lang="en-US" altLang="zh-CN" dirty="0" smtClean="0">
+                <a:hlinkClick r:id="rId4"/>
+              </a:rPr>
+              <a:t>://</a:t>
+            </a:r>
+            <a:r>
+              <a:rPr lang="en-US" altLang="zh-CN" dirty="0" smtClean="0">
+                <a:hlinkClick r:id="rId4"/>
+              </a:rPr>
+              <a:t>github.com/shushanfx/gradle/blob/master/war.gradle</a:t>
+            </a:r>
+            <a:r>
+              <a:rPr lang="en-US" altLang="zh-CN" dirty="0" smtClean="0"/>
+              <a:t> </a:t>
+            </a:r>
+            <a:endParaRPr lang="zh-CN" altLang="en-US" dirty="0"/>
+          </a:p>
+        </p:txBody>
+      </p:sp>
+    </p:spTree>
+  </p:cSld>
+  <p:clrMapOvr>
+    <a:masterClrMapping/>
+  </p:clrMapOvr>
+</p:sld>
+</file>
+
+<file path=ppt/slides/slide25.xml><?xml version="1.0" encoding="utf-8"?>
+<p:sld xmlns:a="http://schemas.openxmlformats.org/drawingml/2006/main" xmlns:r="http://schemas.openxmlformats.org/officeDocument/2006/relationships" xmlns:p="http://schemas.openxmlformats.org/presentationml/2006/main">
+  <p:cSld>
+    <p:spTree>
+      <p:nvGrpSpPr>
+        <p:cNvPr id="1" name=""/>
+        <p:cNvGrpSpPr/>
+        <p:nvPr/>
+      </p:nvGrpSpPr>
+      <p:grpSpPr>
+        <a:xfrm>
+          <a:off x="0" y="0"/>
+          <a:ext cx="0" cy="0"/>
+          <a:chOff x="0" y="0"/>
+          <a:chExt cx="0" cy="0"/>
+        </a:xfrm>
+      </p:grpSpPr>
+      <p:sp>
+        <p:nvSpPr>
+          <p:cNvPr id="2" name="标题 1"/>
+          <p:cNvSpPr>
+            <a:spLocks noGrp="1"/>
+          </p:cNvSpPr>
+          <p:nvPr>
+            <p:ph type="title"/>
+          </p:nvPr>
+        </p:nvSpPr>
+        <p:spPr/>
+        <p:txBody>
+          <a:bodyPr/>
+          <a:lstStyle/>
+          <a:p>
+            <a:r>
+              <a:rPr lang="en-US" altLang="zh-CN" dirty="0" smtClean="0"/>
+              <a:t>PLUGIN——JETTY</a:t>
+            </a:r>
+            <a:endParaRPr lang="zh-CN" altLang="en-US" dirty="0"/>
+          </a:p>
+        </p:txBody>
+      </p:sp>
+      <p:sp>
+        <p:nvSpPr>
+          <p:cNvPr id="3" name="内容占位符 2"/>
+          <p:cNvSpPr>
+            <a:spLocks noGrp="1"/>
+          </p:cNvSpPr>
+          <p:nvPr>
+            <p:ph idx="1"/>
+          </p:nvPr>
+        </p:nvSpPr>
+        <p:spPr/>
+        <p:txBody>
+          <a:bodyPr/>
+          <a:lstStyle/>
+          <a:p>
+            <a:pPr>
+              <a:buNone/>
+            </a:pPr>
+            <a:r>
+              <a:rPr lang="en-US" altLang="zh-CN" dirty="0" smtClean="0"/>
               <a:t>Jetty</a:t>
             </a:r>
+            <a:r>
+              <a:rPr lang="zh-CN" altLang="en-US" dirty="0" smtClean="0"/>
+              <a:t>基于</a:t>
+            </a:r>
+            <a:r>
+              <a:rPr lang="en-US" altLang="zh-CN" dirty="0" smtClean="0"/>
+              <a:t>war</a:t>
+            </a:r>
+            <a:r>
+              <a:rPr lang="zh-CN" altLang="en-US" dirty="0" smtClean="0"/>
+              <a:t>包，新增以下特性：</a:t>
+            </a:r>
+            <a:endParaRPr lang="en-US" altLang="zh-CN" dirty="0" smtClean="0"/>
+          </a:p>
+          <a:p>
+            <a:pPr>
+              <a:buFont typeface="Arial" charset="0"/>
+              <a:buChar char="•"/>
+            </a:pPr>
+            <a:r>
+              <a:rPr lang="zh-CN" altLang="en-US" dirty="0" smtClean="0"/>
+              <a:t>通过执行</a:t>
+            </a:r>
+            <a:r>
+              <a:rPr lang="en-US" altLang="zh-CN" dirty="0" smtClean="0"/>
+              <a:t>task </a:t>
+            </a:r>
+            <a:r>
+              <a:rPr lang="en-US" altLang="zh-CN" dirty="0" err="1" smtClean="0"/>
+              <a:t>jettyRun|jettyRunWar</a:t>
+            </a:r>
+            <a:r>
+              <a:rPr lang="zh-CN" altLang="en-US" dirty="0" smtClean="0"/>
+              <a:t>，开启一个</a:t>
+            </a:r>
+            <a:r>
+              <a:rPr lang="en-US" altLang="zh-CN" dirty="0" smtClean="0"/>
+              <a:t>jetty</a:t>
+            </a:r>
+            <a:r>
+              <a:rPr lang="zh-CN" altLang="en-US" dirty="0" smtClean="0"/>
+              <a:t>实例，</a:t>
+            </a:r>
+            <a:r>
+              <a:rPr lang="en-US" altLang="zh-CN" dirty="0" smtClean="0"/>
+              <a:t>jetty</a:t>
+            </a:r>
+            <a:r>
+              <a:rPr lang="zh-CN" altLang="en-US" dirty="0" smtClean="0"/>
+              <a:t>实例的属性可以配置</a:t>
+            </a:r>
+            <a:r>
+              <a:rPr lang="en-US" altLang="zh-CN" dirty="0" smtClean="0"/>
+              <a:t>.</a:t>
+            </a:r>
+          </a:p>
+          <a:p>
+            <a:pPr lvl="1">
+              <a:buFont typeface="Arial" charset="0"/>
+              <a:buChar char="•"/>
+            </a:pPr>
+            <a:r>
+              <a:rPr lang="en-US" altLang="zh-CN" dirty="0" err="1" smtClean="0"/>
+              <a:t>contextPath</a:t>
+            </a:r>
+            <a:r>
+              <a:rPr lang="en-US" altLang="zh-CN" dirty="0" smtClean="0"/>
+              <a:t> </a:t>
+            </a:r>
+            <a:r>
+              <a:rPr lang="zh-CN" altLang="en-US" dirty="0" smtClean="0"/>
+              <a:t>部署地址，默认取</a:t>
+            </a:r>
+            <a:r>
+              <a:rPr lang="en-US" altLang="zh-CN" dirty="0" smtClean="0"/>
+              <a:t>war</a:t>
+            </a:r>
+            <a:r>
+              <a:rPr lang="zh-CN" altLang="en-US" dirty="0" smtClean="0"/>
+              <a:t>包的名称。</a:t>
+            </a:r>
+            <a:endParaRPr lang="en-US" altLang="zh-CN" dirty="0" smtClean="0"/>
+          </a:p>
+          <a:p>
+            <a:pPr lvl="1">
+              <a:buFont typeface="Arial" charset="0"/>
+              <a:buChar char="•"/>
+            </a:pPr>
+            <a:r>
+              <a:rPr lang="en-US" altLang="zh-CN" dirty="0" err="1" smtClean="0"/>
+              <a:t>httpPort</a:t>
+            </a:r>
+            <a:r>
+              <a:rPr lang="en-US" altLang="zh-CN" dirty="0" smtClean="0"/>
+              <a:t> </a:t>
+            </a:r>
+            <a:r>
+              <a:rPr lang="zh-CN" altLang="en-US" dirty="0" smtClean="0"/>
+              <a:t>端口，默认</a:t>
+            </a:r>
+            <a:r>
+              <a:rPr lang="en-US" altLang="zh-CN" dirty="0" smtClean="0"/>
+              <a:t>8080</a:t>
+            </a:r>
+          </a:p>
+          <a:p>
+            <a:pPr>
+              <a:buFont typeface="Arial" charset="0"/>
+              <a:buChar char="•"/>
+            </a:pPr>
+            <a:r>
+              <a:rPr lang="zh-CN" altLang="en-US" dirty="0" smtClean="0"/>
+              <a:t>执行</a:t>
+            </a:r>
+            <a:r>
+              <a:rPr lang="en-US" altLang="zh-CN" dirty="0" smtClean="0"/>
+              <a:t>task </a:t>
+            </a:r>
+            <a:r>
+              <a:rPr lang="en-US" altLang="zh-CN" dirty="0" err="1" smtClean="0"/>
+              <a:t>jettyStop</a:t>
+            </a:r>
+            <a:r>
+              <a:rPr lang="en-US" altLang="zh-CN" dirty="0" smtClean="0"/>
+              <a:t> </a:t>
+            </a:r>
+            <a:r>
+              <a:rPr lang="zh-CN" altLang="en-US" dirty="0" smtClean="0"/>
+              <a:t>关闭</a:t>
+            </a:r>
+            <a:r>
+              <a:rPr lang="en-US" altLang="zh-CN" dirty="0" smtClean="0"/>
+              <a:t>jetty</a:t>
+            </a:r>
+            <a:r>
+              <a:rPr lang="zh-CN" altLang="en-US" dirty="0" smtClean="0"/>
+              <a:t>实例。</a:t>
+            </a:r>
+            <a:endParaRPr lang="en-US" altLang="zh-CN" dirty="0" smtClean="0"/>
+          </a:p>
+          <a:p>
+            <a:pPr>
+              <a:buFont typeface="Arial" charset="0"/>
+              <a:buChar char="•"/>
+            </a:pPr>
+            <a:endParaRPr lang="en-US" altLang="zh-CN" dirty="0" smtClean="0"/>
+          </a:p>
+          <a:p>
+            <a:pPr>
+              <a:buFont typeface="Arial" charset="0"/>
+              <a:buChar char="•"/>
+            </a:pPr>
+            <a:endParaRPr lang="zh-CN" altLang="en-US" dirty="0"/>
+          </a:p>
+        </p:txBody>
+      </p:sp>
+      <p:pic>
+        <p:nvPicPr>
+          <p:cNvPr id="5122" name="Picture 2"/>
+          <p:cNvPicPr>
+            <a:picLocks noChangeAspect="1" noChangeArrowheads="1"/>
+          </p:cNvPicPr>
+          <p:nvPr/>
+        </p:nvPicPr>
+        <p:blipFill>
+          <a:blip r:embed="rId2"/>
+          <a:srcRect/>
+          <a:stretch>
+            <a:fillRect/>
+          </a:stretch>
+        </p:blipFill>
+        <p:spPr bwMode="auto">
+          <a:xfrm>
+            <a:off x="4929190" y="4857760"/>
+            <a:ext cx="3324225" cy="876300"/>
+          </a:xfrm>
+          <a:prstGeom prst="rect">
+            <a:avLst/>
+          </a:prstGeom>
+          <a:noFill/>
+          <a:ln w="9525">
+            <a:noFill/>
+            <a:miter lim="800000"/>
+            <a:headEnd/>
+            <a:tailEnd/>
+          </a:ln>
+          <a:effectLst/>
+        </p:spPr>
+      </p:pic>
+      <p:sp>
+        <p:nvSpPr>
+          <p:cNvPr id="5" name="矩形 4"/>
+          <p:cNvSpPr/>
+          <p:nvPr/>
+        </p:nvSpPr>
+        <p:spPr>
+          <a:xfrm>
+            <a:off x="928662" y="5934670"/>
+            <a:ext cx="7572428" cy="369332"/>
+          </a:xfrm>
+          <a:prstGeom prst="rect">
+            <a:avLst/>
+          </a:prstGeom>
+        </p:spPr>
+        <p:txBody>
+          <a:bodyPr wrap="square">
+            <a:spAutoFit/>
+          </a:bodyPr>
+          <a:lstStyle/>
+          <a:p>
+            <a:r>
+              <a:rPr lang="zh-CN" altLang="en-US" dirty="0" smtClean="0"/>
+              <a:t>实例：</a:t>
+            </a:r>
+            <a:r>
+              <a:rPr lang="en-US" altLang="zh-CN" dirty="0" smtClean="0">
+                <a:hlinkClick r:id="rId3"/>
+              </a:rPr>
+              <a:t>https://</a:t>
+            </a:r>
+            <a:r>
+              <a:rPr lang="en-US" altLang="zh-CN" dirty="0" smtClean="0">
+                <a:hlinkClick r:id="rId3"/>
+              </a:rPr>
+              <a:t>github.com/shushanfx/gradle/blob/master/jetty.gradle</a:t>
+            </a:r>
+            <a:r>
+              <a:rPr lang="en-US" altLang="zh-CN" dirty="0" smtClean="0"/>
+              <a:t> </a:t>
+            </a:r>
+            <a:endParaRPr lang="zh-CN" altLang="en-US" dirty="0"/>
+          </a:p>
+        </p:txBody>
+      </p:sp>
+    </p:spTree>
+  </p:cSld>
+  <p:clrMapOvr>
+    <a:masterClrMapping/>
+  </p:clrMapOvr>
+</p:sld>
+</file>
+
+<file path=ppt/slides/slide26.xml><?xml version="1.0" encoding="utf-8"?>
+<p:sld xmlns:a="http://schemas.openxmlformats.org/drawingml/2006/main" xmlns:r="http://schemas.openxmlformats.org/officeDocument/2006/relationships" xmlns:p="http://schemas.openxmlformats.org/presentationml/2006/main">
+  <p:cSld>
+    <p:spTree>
+      <p:nvGrpSpPr>
+        <p:cNvPr id="1" name=""/>
+        <p:cNvGrpSpPr/>
+        <p:nvPr/>
+      </p:nvGrpSpPr>
+      <p:grpSpPr>
+        <a:xfrm>
+          <a:off x="0" y="0"/>
+          <a:ext cx="0" cy="0"/>
+          <a:chOff x="0" y="0"/>
+          <a:chExt cx="0" cy="0"/>
+        </a:xfrm>
+      </p:grpSpPr>
+      <p:sp>
+        <p:nvSpPr>
+          <p:cNvPr id="2" name="标题 1"/>
+          <p:cNvSpPr>
+            <a:spLocks noGrp="1"/>
+          </p:cNvSpPr>
+          <p:nvPr>
+            <p:ph type="title"/>
+          </p:nvPr>
+        </p:nvSpPr>
+        <p:spPr/>
+        <p:txBody>
+          <a:bodyPr/>
+          <a:lstStyle/>
+          <a:p>
+            <a:endParaRPr lang="zh-CN" altLang="en-US"/>
+          </a:p>
+        </p:txBody>
+      </p:sp>
+      <p:sp>
+        <p:nvSpPr>
+          <p:cNvPr id="3" name="内容占位符 2"/>
+          <p:cNvSpPr>
+            <a:spLocks noGrp="1"/>
+          </p:cNvSpPr>
+          <p:nvPr>
+            <p:ph idx="1"/>
+          </p:nvPr>
+        </p:nvSpPr>
+        <p:spPr/>
+        <p:txBody>
+          <a:bodyPr/>
+          <a:lstStyle/>
+          <a:p>
+            <a:pPr algn="ctr">
+              <a:buNone/>
+            </a:pPr>
+            <a:endParaRPr lang="en-US" altLang="zh-CN" dirty="0" smtClean="0"/>
+          </a:p>
+          <a:p>
+            <a:pPr algn="ctr">
+              <a:buNone/>
+            </a:pPr>
+            <a:endParaRPr lang="en-US" altLang="zh-CN" dirty="0" smtClean="0"/>
+          </a:p>
+          <a:p>
+            <a:pPr algn="ctr">
+              <a:buNone/>
+            </a:pPr>
+            <a:r>
+              <a:rPr lang="en-US" altLang="zh-CN" sz="4000" b="1" dirty="0" smtClean="0"/>
+              <a:t>Thank you!</a:t>
+            </a:r>
+          </a:p>
+          <a:p>
+            <a:pPr algn="ctr">
+              <a:buNone/>
+            </a:pPr>
+            <a:r>
+              <a:rPr lang="en-US" altLang="zh-CN" dirty="0" smtClean="0"/>
+              <a:t>Q &amp; A</a:t>
+            </a:r>
+            <a:endParaRPr lang="zh-CN" altLang="en-US" dirty="0"/>
           </a:p>
         </p:txBody>
       </p:sp>
@@ -7496,15 +9432,7 @@
             </a:r>
             <a:r>
               <a:rPr lang="zh-CN" altLang="en-US" dirty="0" smtClean="0"/>
-              <a:t>繁冗</a:t>
-            </a:r>
-            <a:r>
-              <a:rPr lang="zh-CN" altLang="en-US" dirty="0" smtClean="0"/>
-              <a:t>以及不灵活等缺点</a:t>
-            </a:r>
-            <a:r>
-              <a:rPr lang="zh-CN" altLang="en-US" dirty="0" smtClean="0"/>
-              <a:t>。</a:t>
+              <a:t>繁冗以及不灵活等缺点。</a:t>
             </a:r>
             <a:endParaRPr lang="en-US" altLang="zh-CN" dirty="0" smtClean="0"/>
           </a:p>
@@ -7772,7 +9700,7 @@
         <p:spPr/>
         <p:txBody>
           <a:bodyPr>
-            <a:normAutofit/>
+            <a:normAutofit lnSpcReduction="10000"/>
           </a:bodyPr>
           <a:lstStyle/>
           <a:p>
@@ -7808,14 +9736,12 @@
             <a:pPr lvl="1"/>
             <a:r>
               <a:rPr lang="en-US" altLang="zh-CN" dirty="0" smtClean="0"/>
-              <a:t>Path = path;%GRADLE_HOME%\bin</a:t>
-            </a:r>
-            <a:endParaRPr lang="en-US" altLang="zh-CN" dirty="0" smtClean="0"/>
-          </a:p>
-          <a:p>
-            <a:pPr lvl="1">
-              <a:buNone/>
-            </a:pPr>
+              <a:t>Path = path;%GRADLE_HOME%\</a:t>
+            </a:r>
+            <a:r>
+              <a:rPr lang="en-US" altLang="zh-CN" dirty="0" smtClean="0"/>
+              <a:t>bin</a:t>
+            </a:r>
             <a:endParaRPr lang="en-US" altLang="zh-CN" dirty="0" smtClean="0"/>
           </a:p>
           <a:p>
@@ -7844,12 +9770,44 @@
               </a:rPr>
               <a:t>github.com/shushanfx/gradle/tree/master/helper</a:t>
             </a:r>
+            <a:r>
+              <a:rPr lang="en-US" altLang="zh-CN" dirty="0" smtClean="0"/>
+              <a:t> </a:t>
+            </a:r>
+            <a:r>
+              <a:rPr lang="zh-CN" altLang="en-US" dirty="0" smtClean="0"/>
+              <a:t>（打开连接）</a:t>
+            </a:r>
             <a:endParaRPr lang="en-US" altLang="zh-CN" dirty="0" smtClean="0"/>
           </a:p>
           <a:p>
             <a:pPr lvl="1">
               <a:buNone/>
             </a:pPr>
+            <a:r>
+              <a:rPr lang="en-US" altLang="zh-CN" dirty="0" err="1" smtClean="0"/>
+              <a:t>GitHub</a:t>
+            </a:r>
+            <a:r>
+              <a:rPr lang="zh-CN" altLang="en-US" dirty="0" smtClean="0"/>
+              <a:t>项目地址：</a:t>
+            </a:r>
+            <a:endParaRPr lang="en-US" altLang="zh-CN" dirty="0" smtClean="0"/>
+          </a:p>
+          <a:p>
+            <a:pPr lvl="1">
+              <a:buNone/>
+            </a:pPr>
+            <a:r>
+              <a:rPr lang="en-US" dirty="0" smtClean="0"/>
+              <a:t> </a:t>
+            </a:r>
+            <a:r>
+              <a:rPr lang="en-US" dirty="0" smtClean="0">
+                <a:hlinkClick r:id="rId3"/>
+              </a:rPr>
+              <a:t>https://github.com/shushanfx/gradle.git</a:t>
+            </a:r>
             <a:endParaRPr lang="en-US" altLang="zh-CN" dirty="0" smtClean="0"/>
           </a:p>
         </p:txBody>
@@ -8169,11 +10127,7 @@
             </a:br>
             <a:r>
               <a:rPr lang="en-US" dirty="0" smtClean="0"/>
-              <a:t>      </a:t>
-            </a:r>
-            <a:r>
-              <a:rPr lang="en-US" dirty="0" smtClean="0"/>
-              <a:t>}</a:t>
+              <a:t>      }</a:t>
             </a:r>
           </a:p>
           <a:p>
@@ -8182,11 +10136,7 @@
             </a:pPr>
             <a:r>
               <a:rPr lang="en-US" dirty="0" smtClean="0"/>
-              <a:t> </a:t>
-            </a:r>
-            <a:r>
-              <a:rPr lang="en-US" dirty="0" smtClean="0"/>
-              <a:t>  }</a:t>
+              <a:t>   }</a:t>
             </a:r>
           </a:p>
           <a:p>
@@ -8493,11 +10443,7 @@
             </a:pPr>
             <a:r>
               <a:rPr lang="en-US" altLang="zh-CN" dirty="0" err="1" smtClean="0"/>
-              <a:t>p</a:t>
-            </a:r>
-            <a:r>
-              <a:rPr lang="en-US" altLang="zh-CN" dirty="0" err="1" smtClean="0"/>
-              <a:t>rintln</a:t>
+              <a:t>println</a:t>
             </a:r>
             <a:r>
               <a:rPr lang="en-US" altLang="zh-CN" dirty="0" smtClean="0"/>
